--- a/Later/JavaIO/JavaIO_43/Java ByteArrayOutputStream class.pptx
+++ b/Later/JavaIO/JavaIO_43/Java ByteArrayOutputStream class.pptx
@@ -3886,97 +3886,13 @@
       </p:sp>
       <p:sp>
         <p:nvSpPr>
-          <p:cNvPr id="13" name="Folded Corner 12"/>
+          <p:cNvPr id="31" name="Oval 30"/>
           <p:cNvSpPr/>
           <p:nvPr/>
         </p:nvSpPr>
         <p:spPr>
           <a:xfrm>
-            <a:off x="7310813" y="4027187"/>
-            <a:ext cx="1600200" cy="762000"/>
-          </a:xfrm>
-          <a:prstGeom prst="foldedCorner">
-            <a:avLst/>
-          </a:prstGeom>
-        </p:spPr>
-        <p:style>
-          <a:lnRef idx="1">
-            <a:schemeClr val="accent6"/>
-          </a:lnRef>
-          <a:fillRef idx="2">
-            <a:schemeClr val="accent6"/>
-          </a:fillRef>
-          <a:effectRef idx="1">
-            <a:schemeClr val="accent6"/>
-          </a:effectRef>
-          <a:fontRef idx="minor">
-            <a:schemeClr val="dk1"/>
-          </a:fontRef>
-        </p:style>
-        <p:txBody>
-          <a:bodyPr rtlCol="0" anchor="ctr"/>
-          <a:lstStyle/>
-          <a:p>
-            <a:pPr algn="ctr"/>
-            <a:r>
-              <a:rPr lang="en-US" sz="1200" dirty="0"/>
-              <a:t>Peter is going to India</a:t>
-            </a:r>
-          </a:p>
-        </p:txBody>
-      </p:sp>
-      <p:sp>
-        <p:nvSpPr>
-          <p:cNvPr id="15" name="TextBox 14"/>
-          <p:cNvSpPr txBox="1"/>
-          <p:nvPr/>
-        </p:nvSpPr>
-        <p:spPr>
-          <a:xfrm>
-            <a:off x="7684450" y="3718683"/>
-            <a:ext cx="852926" cy="276999"/>
-          </a:xfrm>
-          <a:prstGeom prst="rect">
-            <a:avLst/>
-          </a:prstGeom>
-        </p:spPr>
-        <p:style>
-          <a:lnRef idx="1">
-            <a:schemeClr val="accent3"/>
-          </a:lnRef>
-          <a:fillRef idx="2">
-            <a:schemeClr val="accent3"/>
-          </a:fillRef>
-          <a:effectRef idx="1">
-            <a:schemeClr val="accent3"/>
-          </a:effectRef>
-          <a:fontRef idx="minor">
-            <a:schemeClr val="dk1"/>
-          </a:fontRef>
-        </p:style>
-        <p:txBody>
-          <a:bodyPr wrap="none" rtlCol="0">
-            <a:spAutoFit/>
-          </a:bodyPr>
-          <a:lstStyle/>
-          <a:p>
-            <a:r>
-              <a:rPr lang="en-US" sz="1200" dirty="0" smtClean="0"/>
-              <a:t>myfile1.txt</a:t>
-            </a:r>
-            <a:endParaRPr lang="en-US" sz="1200" dirty="0"/>
-          </a:p>
-        </p:txBody>
-      </p:sp>
-      <p:sp>
-        <p:nvSpPr>
-          <p:cNvPr id="16" name="Oval 15"/>
-          <p:cNvSpPr/>
-          <p:nvPr/>
-        </p:nvSpPr>
-        <p:spPr>
-          <a:xfrm>
-            <a:off x="258878" y="2866366"/>
+            <a:off x="379387" y="3395099"/>
             <a:ext cx="1676400" cy="962027"/>
           </a:xfrm>
           <a:prstGeom prst="ellipse">
@@ -4012,14 +3928,14 @@
       </p:sp>
       <p:sp>
         <p:nvSpPr>
-          <p:cNvPr id="27" name="Can 26"/>
+          <p:cNvPr id="34" name="Can 33"/>
           <p:cNvSpPr/>
           <p:nvPr/>
         </p:nvSpPr>
         <p:spPr>
           <a:xfrm rot="5400000">
-            <a:off x="2982356" y="2597087"/>
-            <a:ext cx="725246" cy="1600199"/>
+            <a:off x="4229407" y="2532021"/>
+            <a:ext cx="725246" cy="2786486"/>
           </a:xfrm>
           <a:prstGeom prst="can">
             <a:avLst/>
@@ -4045,22 +3961,64 @@
           <a:p>
             <a:pPr algn="ctr"/>
             <a:r>
-              <a:rPr lang="en-US" sz="900" dirty="0"/>
-              <a:t>ByteArrayOutputStream </a:t>
-            </a:r>
-          </a:p>
-        </p:txBody>
-      </p:sp>
-      <p:sp>
-        <p:nvSpPr>
-          <p:cNvPr id="28" name="Right Arrow 27"/>
+              <a:rPr lang="en-US" sz="1200" dirty="0"/>
+              <a:t>ByteArrayInputStream </a:t>
+            </a:r>
+          </a:p>
+        </p:txBody>
+      </p:sp>
+      <p:sp>
+        <p:nvSpPr>
+          <p:cNvPr id="35" name="Flowchart: Magnetic Disk 34"/>
           <p:cNvSpPr/>
           <p:nvPr/>
         </p:nvSpPr>
         <p:spPr>
           <a:xfrm>
-            <a:off x="6348229" y="4276860"/>
-            <a:ext cx="962584" cy="238604"/>
+            <a:off x="7238999" y="3652761"/>
+            <a:ext cx="1371600" cy="508249"/>
+          </a:xfrm>
+          <a:prstGeom prst="flowChartMagneticDisk">
+            <a:avLst/>
+          </a:prstGeom>
+        </p:spPr>
+        <p:style>
+          <a:lnRef idx="1">
+            <a:schemeClr val="accent6"/>
+          </a:lnRef>
+          <a:fillRef idx="2">
+            <a:schemeClr val="accent6"/>
+          </a:fillRef>
+          <a:effectRef idx="1">
+            <a:schemeClr val="accent6"/>
+          </a:effectRef>
+          <a:fontRef idx="minor">
+            <a:schemeClr val="dk1"/>
+          </a:fontRef>
+        </p:style>
+        <p:txBody>
+          <a:bodyPr rtlCol="0" anchor="ctr"/>
+          <a:lstStyle/>
+          <a:p>
+            <a:pPr algn="ctr"/>
+            <a:r>
+              <a:rPr lang="en-US" sz="1200" dirty="0" smtClean="0"/>
+              <a:t>ByteArray</a:t>
+            </a:r>
+            <a:endParaRPr lang="en-US" sz="1200" dirty="0"/>
+          </a:p>
+        </p:txBody>
+      </p:sp>
+      <p:sp>
+        <p:nvSpPr>
+          <p:cNvPr id="36" name="Right Arrow 35"/>
+          <p:cNvSpPr/>
+          <p:nvPr/>
+        </p:nvSpPr>
+        <p:spPr>
+          <a:xfrm>
+            <a:off x="5985273" y="3832286"/>
+            <a:ext cx="1253726" cy="238604"/>
           </a:xfrm>
           <a:prstGeom prst="rightArrow">
             <a:avLst/>
@@ -4091,14 +4049,14 @@
       </p:sp>
       <p:sp>
         <p:nvSpPr>
-          <p:cNvPr id="30" name="Right Arrow 29"/>
+          <p:cNvPr id="37" name="Right Arrow 36"/>
           <p:cNvSpPr/>
           <p:nvPr/>
         </p:nvSpPr>
         <p:spPr>
           <a:xfrm>
-            <a:off x="1945657" y="3258851"/>
-            <a:ext cx="599222" cy="238604"/>
+            <a:off x="2066164" y="3787584"/>
+            <a:ext cx="1132622" cy="238604"/>
           </a:xfrm>
           <a:prstGeom prst="rightArrow">
             <a:avLst>
@@ -4132,13 +4090,13 @@
       </p:sp>
       <p:sp>
         <p:nvSpPr>
-          <p:cNvPr id="32" name="TextBox 31"/>
+          <p:cNvPr id="38" name="TextBox 37"/>
           <p:cNvSpPr txBox="1"/>
           <p:nvPr/>
         </p:nvSpPr>
         <p:spPr>
           <a:xfrm>
-            <a:off x="6510802" y="4027843"/>
+            <a:off x="6364055" y="3562641"/>
             <a:ext cx="531171" cy="276999"/>
           </a:xfrm>
           <a:prstGeom prst="rect">
@@ -4175,13 +4133,13 @@
       </p:sp>
       <p:sp>
         <p:nvSpPr>
-          <p:cNvPr id="33" name="TextBox 32"/>
+          <p:cNvPr id="39" name="TextBox 38"/>
           <p:cNvSpPr txBox="1"/>
           <p:nvPr/>
         </p:nvSpPr>
         <p:spPr>
           <a:xfrm>
-            <a:off x="1945657" y="2947568"/>
+            <a:off x="2286000" y="3531854"/>
             <a:ext cx="531171" cy="276999"/>
           </a:xfrm>
           <a:prstGeom prst="rect">
@@ -4218,428 +4176,19 @@
       </p:sp>
       <p:sp>
         <p:nvSpPr>
-          <p:cNvPr id="17" name="Can 16"/>
+          <p:cNvPr id="40" name="Rounded Rectangular Callout 39"/>
           <p:cNvSpPr/>
           <p:nvPr/>
         </p:nvSpPr>
         <p:spPr>
-          <a:xfrm rot="5400000">
-            <a:off x="5337906" y="3710605"/>
-            <a:ext cx="725246" cy="1295400"/>
-          </a:xfrm>
-          <a:prstGeom prst="can">
-            <a:avLst/>
-          </a:prstGeom>
-        </p:spPr>
-        <p:style>
-          <a:lnRef idx="1">
-            <a:schemeClr val="accent4"/>
-          </a:lnRef>
-          <a:fillRef idx="2">
-            <a:schemeClr val="accent4"/>
-          </a:fillRef>
-          <a:effectRef idx="1">
-            <a:schemeClr val="accent4"/>
-          </a:effectRef>
-          <a:fontRef idx="minor">
-            <a:schemeClr val="dk1"/>
-          </a:fontRef>
-        </p:style>
-        <p:txBody>
-          <a:bodyPr vert="vert270" rtlCol="0" anchor="ctr"/>
-          <a:lstStyle/>
-          <a:p>
-            <a:pPr algn="ctr"/>
-            <a:r>
-              <a:rPr lang="en-US" sz="900" dirty="0"/>
-              <a:t>FileOutputStream </a:t>
-            </a:r>
-          </a:p>
-        </p:txBody>
-      </p:sp>
-      <p:sp>
-        <p:nvSpPr>
-          <p:cNvPr id="19" name="Can 18"/>
-          <p:cNvSpPr/>
-          <p:nvPr/>
-        </p:nvSpPr>
-        <p:spPr>
-          <a:xfrm rot="5400000">
-            <a:off x="5192155" y="1916138"/>
-            <a:ext cx="725246" cy="1295400"/>
-          </a:xfrm>
-          <a:prstGeom prst="can">
-            <a:avLst/>
-          </a:prstGeom>
-        </p:spPr>
-        <p:style>
-          <a:lnRef idx="1">
-            <a:schemeClr val="accent4"/>
-          </a:lnRef>
-          <a:fillRef idx="2">
-            <a:schemeClr val="accent4"/>
-          </a:fillRef>
-          <a:effectRef idx="1">
-            <a:schemeClr val="accent4"/>
-          </a:effectRef>
-          <a:fontRef idx="minor">
-            <a:schemeClr val="dk1"/>
-          </a:fontRef>
-        </p:style>
-        <p:txBody>
-          <a:bodyPr vert="vert270" rtlCol="0" anchor="ctr"/>
-          <a:lstStyle/>
-          <a:p>
-            <a:pPr algn="ctr"/>
-            <a:r>
-              <a:rPr lang="en-US" sz="900" dirty="0"/>
-              <a:t>FileOutputStream </a:t>
-            </a:r>
-          </a:p>
-        </p:txBody>
-      </p:sp>
-      <p:sp>
-        <p:nvSpPr>
-          <p:cNvPr id="20" name="Folded Corner 19"/>
-          <p:cNvSpPr/>
-          <p:nvPr/>
-        </p:nvSpPr>
-        <p:spPr>
           <a:xfrm>
-            <a:off x="7217754" y="2149372"/>
-            <a:ext cx="1600200" cy="762000"/>
-          </a:xfrm>
-          <a:prstGeom prst="foldedCorner">
-            <a:avLst/>
-          </a:prstGeom>
-        </p:spPr>
-        <p:style>
-          <a:lnRef idx="1">
-            <a:schemeClr val="accent6"/>
-          </a:lnRef>
-          <a:fillRef idx="2">
-            <a:schemeClr val="accent6"/>
-          </a:fillRef>
-          <a:effectRef idx="1">
-            <a:schemeClr val="accent6"/>
-          </a:effectRef>
-          <a:fontRef idx="minor">
-            <a:schemeClr val="dk1"/>
-          </a:fontRef>
-        </p:style>
-        <p:txBody>
-          <a:bodyPr rtlCol="0" anchor="ctr"/>
-          <a:lstStyle/>
-          <a:p>
-            <a:pPr algn="ctr"/>
-            <a:r>
-              <a:rPr lang="en-US" sz="1200" dirty="0"/>
-              <a:t>Peter is going to India</a:t>
-            </a:r>
-          </a:p>
-        </p:txBody>
-      </p:sp>
-      <p:sp>
-        <p:nvSpPr>
-          <p:cNvPr id="21" name="TextBox 20"/>
-          <p:cNvSpPr txBox="1"/>
-          <p:nvPr/>
-        </p:nvSpPr>
-        <p:spPr>
-          <a:xfrm>
-            <a:off x="7512608" y="1843020"/>
-            <a:ext cx="852926" cy="276999"/>
-          </a:xfrm>
-          <a:prstGeom prst="rect">
-            <a:avLst/>
-          </a:prstGeom>
-        </p:spPr>
-        <p:style>
-          <a:lnRef idx="1">
-            <a:schemeClr val="accent3"/>
-          </a:lnRef>
-          <a:fillRef idx="2">
-            <a:schemeClr val="accent3"/>
-          </a:fillRef>
-          <a:effectRef idx="1">
-            <a:schemeClr val="accent3"/>
-          </a:effectRef>
-          <a:fontRef idx="minor">
-            <a:schemeClr val="dk1"/>
-          </a:fontRef>
-        </p:style>
-        <p:txBody>
-          <a:bodyPr wrap="none" rtlCol="0">
-            <a:spAutoFit/>
-          </a:bodyPr>
-          <a:lstStyle/>
-          <a:p>
-            <a:r>
-              <a:rPr lang="en-US" sz="1200" dirty="0" smtClean="0"/>
-              <a:t>myfile2.txt</a:t>
-            </a:r>
-            <a:endParaRPr lang="en-US" sz="1200" dirty="0"/>
-          </a:p>
-        </p:txBody>
-      </p:sp>
-      <p:sp>
-        <p:nvSpPr>
-          <p:cNvPr id="22" name="Right Arrow 21"/>
-          <p:cNvSpPr/>
-          <p:nvPr/>
-        </p:nvSpPr>
-        <p:spPr>
-          <a:xfrm>
-            <a:off x="6192952" y="2411070"/>
-            <a:ext cx="1024801" cy="238604"/>
-          </a:xfrm>
-          <a:prstGeom prst="rightArrow">
-            <a:avLst/>
-          </a:prstGeom>
-        </p:spPr>
-        <p:style>
-          <a:lnRef idx="1">
-            <a:schemeClr val="accent4"/>
-          </a:lnRef>
-          <a:fillRef idx="3">
-            <a:schemeClr val="accent4"/>
-          </a:fillRef>
-          <a:effectRef idx="2">
-            <a:schemeClr val="accent4"/>
-          </a:effectRef>
-          <a:fontRef idx="minor">
-            <a:schemeClr val="lt1"/>
-          </a:fontRef>
-        </p:style>
-        <p:txBody>
-          <a:bodyPr rtlCol="0" anchor="ctr"/>
-          <a:lstStyle/>
-          <a:p>
-            <a:pPr algn="ctr"/>
-            <a:endParaRPr lang="en-US" dirty="0"/>
-          </a:p>
-        </p:txBody>
-      </p:sp>
-      <p:sp>
-        <p:nvSpPr>
-          <p:cNvPr id="23" name="TextBox 22"/>
-          <p:cNvSpPr txBox="1"/>
-          <p:nvPr/>
-        </p:nvSpPr>
-        <p:spPr>
-          <a:xfrm>
-            <a:off x="6308956" y="2162053"/>
-            <a:ext cx="531171" cy="276999"/>
-          </a:xfrm>
-          <a:prstGeom prst="rect">
-            <a:avLst/>
-          </a:prstGeom>
-        </p:spPr>
-        <p:style>
-          <a:lnRef idx="1">
-            <a:schemeClr val="accent2"/>
-          </a:lnRef>
-          <a:fillRef idx="2">
-            <a:schemeClr val="accent2"/>
-          </a:fillRef>
-          <a:effectRef idx="1">
-            <a:schemeClr val="accent2"/>
-          </a:effectRef>
-          <a:fontRef idx="minor">
-            <a:schemeClr val="dk1"/>
-          </a:fontRef>
-        </p:style>
-        <p:txBody>
-          <a:bodyPr wrap="none" rtlCol="0">
-            <a:spAutoFit/>
-          </a:bodyPr>
-          <a:lstStyle/>
-          <a:p>
-            <a:r>
-              <a:rPr lang="en-US" sz="1200" dirty="0" smtClean="0"/>
-              <a:t>Write</a:t>
-            </a:r>
-            <a:endParaRPr lang="en-US" sz="1200" dirty="0"/>
-          </a:p>
-        </p:txBody>
-      </p:sp>
-      <p:sp>
-        <p:nvSpPr>
-          <p:cNvPr id="24" name="Right Arrow 23"/>
-          <p:cNvSpPr/>
-          <p:nvPr/>
-        </p:nvSpPr>
-        <p:spPr>
-          <a:xfrm rot="19396381">
-            <a:off x="4021156" y="2918033"/>
-            <a:ext cx="1011973" cy="238604"/>
-          </a:xfrm>
-          <a:prstGeom prst="rightArrow">
-            <a:avLst/>
-          </a:prstGeom>
-        </p:spPr>
-        <p:style>
-          <a:lnRef idx="1">
-            <a:schemeClr val="accent4"/>
-          </a:lnRef>
-          <a:fillRef idx="3">
-            <a:schemeClr val="accent4"/>
-          </a:fillRef>
-          <a:effectRef idx="2">
-            <a:schemeClr val="accent4"/>
-          </a:effectRef>
-          <a:fontRef idx="minor">
-            <a:schemeClr val="lt1"/>
-          </a:fontRef>
-        </p:style>
-        <p:txBody>
-          <a:bodyPr rtlCol="0" anchor="ctr"/>
-          <a:lstStyle/>
-          <a:p>
-            <a:pPr algn="ctr"/>
-            <a:endParaRPr lang="en-US" dirty="0"/>
-          </a:p>
-        </p:txBody>
-      </p:sp>
-      <p:sp>
-        <p:nvSpPr>
-          <p:cNvPr id="25" name="Right Arrow 24"/>
-          <p:cNvSpPr/>
-          <p:nvPr/>
-        </p:nvSpPr>
-        <p:spPr>
-          <a:xfrm rot="1539898">
-            <a:off x="4045665" y="3841325"/>
-            <a:ext cx="1140486" cy="238604"/>
-          </a:xfrm>
-          <a:prstGeom prst="rightArrow">
-            <a:avLst/>
-          </a:prstGeom>
-        </p:spPr>
-        <p:style>
-          <a:lnRef idx="1">
-            <a:schemeClr val="accent4"/>
-          </a:lnRef>
-          <a:fillRef idx="3">
-            <a:schemeClr val="accent4"/>
-          </a:fillRef>
-          <a:effectRef idx="2">
-            <a:schemeClr val="accent4"/>
-          </a:effectRef>
-          <a:fontRef idx="minor">
-            <a:schemeClr val="lt1"/>
-          </a:fontRef>
-        </p:style>
-        <p:txBody>
-          <a:bodyPr rtlCol="0" anchor="ctr"/>
-          <a:lstStyle/>
-          <a:p>
-            <a:pPr algn="ctr"/>
-            <a:endParaRPr lang="en-US" dirty="0"/>
-          </a:p>
-        </p:txBody>
-      </p:sp>
-      <p:sp>
-        <p:nvSpPr>
-          <p:cNvPr id="26" name="TextBox 25"/>
-          <p:cNvSpPr txBox="1"/>
-          <p:nvPr/>
-        </p:nvSpPr>
-        <p:spPr>
-          <a:xfrm>
-            <a:off x="4050253" y="4081306"/>
-            <a:ext cx="531171" cy="276999"/>
-          </a:xfrm>
-          <a:prstGeom prst="rect">
-            <a:avLst/>
-          </a:prstGeom>
-        </p:spPr>
-        <p:style>
-          <a:lnRef idx="1">
-            <a:schemeClr val="accent2"/>
-          </a:lnRef>
-          <a:fillRef idx="2">
-            <a:schemeClr val="accent2"/>
-          </a:fillRef>
-          <a:effectRef idx="1">
-            <a:schemeClr val="accent2"/>
-          </a:effectRef>
-          <a:fontRef idx="minor">
-            <a:schemeClr val="dk1"/>
-          </a:fontRef>
-        </p:style>
-        <p:txBody>
-          <a:bodyPr wrap="none" rtlCol="0">
-            <a:spAutoFit/>
-          </a:bodyPr>
-          <a:lstStyle/>
-          <a:p>
-            <a:r>
-              <a:rPr lang="en-US" sz="1200" dirty="0" smtClean="0"/>
-              <a:t>Write</a:t>
-            </a:r>
-            <a:endParaRPr lang="en-US" sz="1200" dirty="0"/>
-          </a:p>
-        </p:txBody>
-      </p:sp>
-      <p:sp>
-        <p:nvSpPr>
-          <p:cNvPr id="29" name="TextBox 28"/>
-          <p:cNvSpPr txBox="1"/>
-          <p:nvPr/>
-        </p:nvSpPr>
-        <p:spPr>
-          <a:xfrm>
-            <a:off x="4084737" y="2554024"/>
-            <a:ext cx="531171" cy="276999"/>
-          </a:xfrm>
-          <a:prstGeom prst="rect">
-            <a:avLst/>
-          </a:prstGeom>
-        </p:spPr>
-        <p:style>
-          <a:lnRef idx="1">
-            <a:schemeClr val="accent2"/>
-          </a:lnRef>
-          <a:fillRef idx="2">
-            <a:schemeClr val="accent2"/>
-          </a:fillRef>
-          <a:effectRef idx="1">
-            <a:schemeClr val="accent2"/>
-          </a:effectRef>
-          <a:fontRef idx="minor">
-            <a:schemeClr val="dk1"/>
-          </a:fontRef>
-        </p:style>
-        <p:txBody>
-          <a:bodyPr wrap="none" rtlCol="0">
-            <a:spAutoFit/>
-          </a:bodyPr>
-          <a:lstStyle/>
-          <a:p>
-            <a:r>
-              <a:rPr lang="en-US" sz="1200" dirty="0" smtClean="0"/>
-              <a:t>Write</a:t>
-            </a:r>
-            <a:endParaRPr lang="en-US" sz="1200" dirty="0"/>
-          </a:p>
-        </p:txBody>
-      </p:sp>
-      <p:sp>
-        <p:nvSpPr>
-          <p:cNvPr id="3" name="Rounded Rectangular Callout 2"/>
-          <p:cNvSpPr/>
-          <p:nvPr/>
-        </p:nvSpPr>
-        <p:spPr>
-          <a:xfrm>
-            <a:off x="220779" y="457200"/>
-            <a:ext cx="8365140" cy="1222248"/>
+            <a:off x="457200" y="1143000"/>
+            <a:ext cx="8610600" cy="1220724"/>
           </a:xfrm>
           <a:prstGeom prst="wedgeRoundRectCallout">
             <a:avLst>
-              <a:gd name="adj1" fmla="val -11985"/>
-              <a:gd name="adj2" fmla="val 162834"/>
+              <a:gd name="adj1" fmla="val -2152"/>
+              <a:gd name="adj2" fmla="val 151176"/>
               <a:gd name="adj3" fmla="val 16667"/>
             </a:avLst>
           </a:prstGeom>
@@ -4668,20 +4217,45 @@
               <a:buChar char="ü"/>
             </a:pPr>
             <a:r>
-              <a:rPr lang="en-US" sz="900" dirty="0"/>
-              <a:t>Java ByteArrayOutputStream class is used to write data into multiple files. In this stream, the data is written into a byte array that can be written to multiple </a:t>
-            </a:r>
-            <a:r>
-              <a:rPr lang="en-US" sz="900" dirty="0" smtClean="0"/>
-              <a:t>streams.</a:t>
-            </a:r>
+              <a:rPr lang="en-US" sz="1200" b="1" dirty="0" smtClean="0">
+                <a:solidFill>
+                  <a:srgbClr val="0070C0"/>
+                </a:solidFill>
+              </a:rPr>
+              <a:t>ByteArrayOutputStream</a:t>
+            </a:r>
+            <a:r>
+              <a:rPr lang="en-US" sz="1200" b="1" dirty="0"/>
+              <a:t> </a:t>
+            </a:r>
+            <a:r>
+              <a:rPr lang="en-US" sz="1200" dirty="0"/>
+              <a:t>is an implementation of an output stream that uses a byte array as the destination. The buffer automatically grows as data is written to it. The data can be retrieved using </a:t>
+            </a:r>
+            <a:r>
+              <a:rPr lang="en-US" sz="1200" dirty="0"/>
+              <a:t>toByteArray()</a:t>
+            </a:r>
+            <a:r>
+              <a:rPr lang="en-US" sz="1200" dirty="0"/>
+              <a:t> and </a:t>
+            </a:r>
+            <a:r>
+              <a:rPr lang="en-US" sz="1200" dirty="0"/>
+              <a:t>toString()</a:t>
+            </a:r>
+            <a:r>
+              <a:rPr lang="en-US" sz="1200" dirty="0"/>
+              <a:t>.</a:t>
+            </a:r>
+            <a:endParaRPr lang="en-US" sz="1200" dirty="0" smtClean="0"/>
           </a:p>
           <a:p>
             <a:pPr marL="171450" indent="-171450">
               <a:buFont typeface="Wingdings" pitchFamily="2" charset="2"/>
               <a:buChar char="ü"/>
             </a:pPr>
-            <a:endParaRPr lang="en-US" sz="900" dirty="0"/>
+            <a:endParaRPr lang="en-US" sz="1200" dirty="0" smtClean="0"/>
           </a:p>
           <a:p>
             <a:pPr marL="171450" indent="-171450">
@@ -4689,59 +4263,34 @@
               <a:buChar char="ü"/>
             </a:pPr>
             <a:r>
-              <a:rPr lang="en-US" sz="900" dirty="0"/>
-              <a:t>The ByteArrayOutputStream holds a copy of data and forwards it to multiple streams</a:t>
-            </a:r>
-            <a:r>
-              <a:rPr lang="en-US" sz="900" dirty="0" smtClean="0"/>
+              <a:rPr lang="en-US" sz="1200" dirty="0" smtClean="0"/>
+              <a:t>Closing </a:t>
+            </a:r>
+            <a:r>
+              <a:rPr lang="en-US" sz="1200" dirty="0"/>
+              <a:t>a </a:t>
+            </a:r>
+            <a:r>
+              <a:rPr lang="en-US" sz="1200" b="1" dirty="0">
+                <a:solidFill>
+                  <a:srgbClr val="0070C0"/>
+                </a:solidFill>
+              </a:rPr>
+              <a:t>ByteArrayOutputStream</a:t>
+            </a:r>
+            <a:r>
+              <a:rPr lang="en-US" sz="1200" dirty="0"/>
+              <a:t> has no effect. The methods in this class can be called after the stream has been closed without generating an </a:t>
+            </a:r>
+            <a:r>
+              <a:rPr lang="en-US" sz="1200" dirty="0"/>
+              <a:t>IOException</a:t>
+            </a:r>
+            <a:r>
+              <a:rPr lang="en-US" sz="1200" dirty="0"/>
               <a:t>.</a:t>
             </a:r>
-          </a:p>
-          <a:p>
-            <a:pPr marL="171450" indent="-171450">
-              <a:buFont typeface="Wingdings" pitchFamily="2" charset="2"/>
-              <a:buChar char="ü"/>
-            </a:pPr>
-            <a:endParaRPr lang="en-US" sz="900" dirty="0"/>
-          </a:p>
-          <a:p>
-            <a:pPr marL="171450" indent="-171450">
-              <a:buFont typeface="Wingdings" pitchFamily="2" charset="2"/>
-              <a:buChar char="ü"/>
-            </a:pPr>
-            <a:r>
-              <a:rPr lang="en-US" sz="900" dirty="0"/>
-              <a:t>The buffer of ByteArrayOutputStream automatically grows according to data</a:t>
-            </a:r>
-            <a:r>
-              <a:rPr lang="en-US" sz="900" dirty="0" smtClean="0"/>
-              <a:t>.</a:t>
-            </a:r>
-          </a:p>
-          <a:p>
-            <a:pPr marL="171450" indent="-171450">
-              <a:buFont typeface="Wingdings" pitchFamily="2" charset="2"/>
-              <a:buChar char="ü"/>
-            </a:pPr>
-            <a:endParaRPr lang="en-US" sz="900" dirty="0"/>
-          </a:p>
-          <a:p>
-            <a:pPr marL="171450" indent="-171450">
-              <a:buFont typeface="Wingdings" pitchFamily="2" charset="2"/>
-              <a:buChar char="ü"/>
-            </a:pPr>
-            <a:r>
-              <a:rPr lang="en-US" sz="900" dirty="0"/>
-              <a:t>Closing a ByteArrayOutputStream has no effect. The methods in this class can be called after the stream has been closed without generating </a:t>
-            </a:r>
-            <a:r>
-              <a:rPr lang="en-US" sz="900" dirty="0" smtClean="0"/>
-              <a:t>an IOException</a:t>
-            </a:r>
-            <a:r>
-              <a:rPr lang="en-US" sz="900" dirty="0"/>
-              <a:t>.</a:t>
-            </a:r>
+            <a:endParaRPr lang="en-US" sz="1200" dirty="0"/>
           </a:p>
         </p:txBody>
       </p:sp>
